--- a/Brain POP_발표자료(ver.2.0).pptx
+++ b/Brain POP_발표자료(ver.2.0).pptx
@@ -206,7 +206,7 @@
           <a:p>
             <a:fld id="{C0CDFEFB-1D09-4E59-8E27-A10E971F52E2}" type="datetimeFigureOut">
               <a:rPr lang="ko-KR" altLang="en-US" smtClean="0"/>
-              <a:t>2015-12-03</a:t>
+              <a:t>2015-12-07</a:t>
             </a:fld>
             <a:endParaRPr lang="ko-KR" altLang="en-US"/>
           </a:p>
@@ -645,7 +645,7 @@
           <a:p>
             <a:fld id="{6B650AD0-2BA4-4E08-AAEA-16552D04F70E}" type="datetime1">
               <a:rPr lang="ko-KR" altLang="en-US" smtClean="0"/>
-              <a:t>2015-12-03</a:t>
+              <a:t>2015-12-07</a:t>
             </a:fld>
             <a:endParaRPr lang="ko-KR" altLang="en-US"/>
           </a:p>
@@ -960,7 +960,7 @@
           <a:p>
             <a:fld id="{DF3281B8-365F-4068-BAAB-35FA7E93F65C}" type="datetime1">
               <a:rPr lang="ko-KR" altLang="en-US" smtClean="0"/>
-              <a:t>2015-12-03</a:t>
+              <a:t>2015-12-07</a:t>
             </a:fld>
             <a:endParaRPr lang="ko-KR" altLang="en-US"/>
           </a:p>
@@ -1182,7 +1182,7 @@
           <a:p>
             <a:fld id="{9A452869-5432-4BBD-AFA5-752FBF44161E}" type="datetime1">
               <a:rPr lang="ko-KR" altLang="en-US" smtClean="0"/>
-              <a:t>2015-12-03</a:t>
+              <a:t>2015-12-07</a:t>
             </a:fld>
             <a:endParaRPr lang="ko-KR" altLang="en-US"/>
           </a:p>
@@ -1473,7 +1473,7 @@
           <a:p>
             <a:fld id="{9089D718-2AB6-4331-B046-BB64E638F508}" type="datetime1">
               <a:rPr lang="ko-KR" altLang="en-US" smtClean="0"/>
-              <a:t>2015-12-03</a:t>
+              <a:t>2015-12-07</a:t>
             </a:fld>
             <a:endParaRPr lang="ko-KR" altLang="en-US"/>
           </a:p>
@@ -1927,7 +1927,7 @@
           <a:p>
             <a:fld id="{D1D89473-4AE7-4132-ABBA-0EEE3D1371E7}" type="datetime1">
               <a:rPr lang="ko-KR" altLang="en-US" smtClean="0"/>
-              <a:t>2015-12-03</a:t>
+              <a:t>2015-12-07</a:t>
             </a:fld>
             <a:endParaRPr lang="ko-KR" altLang="en-US"/>
           </a:p>
@@ -2503,7 +2503,7 @@
           <a:p>
             <a:fld id="{502CCF37-2215-4B2B-914F-CA45D7DF1AEA}" type="datetime1">
               <a:rPr lang="ko-KR" altLang="en-US" smtClean="0"/>
-              <a:t>2015-12-03</a:t>
+              <a:t>2015-12-07</a:t>
             </a:fld>
             <a:endParaRPr lang="ko-KR" altLang="en-US"/>
           </a:p>
@@ -3364,7 +3364,7 @@
           <a:p>
             <a:fld id="{6BD9F43B-7B87-4BD8-9619-565F52CFCDA7}" type="datetime1">
               <a:rPr lang="ko-KR" altLang="en-US" smtClean="0"/>
-              <a:t>2015-12-03</a:t>
+              <a:t>2015-12-07</a:t>
             </a:fld>
             <a:endParaRPr lang="ko-KR" altLang="en-US"/>
           </a:p>
@@ -3569,7 +3569,7 @@
           <a:p>
             <a:fld id="{1BB063EC-9710-41EA-BA4F-05EE3B5F1F77}" type="datetime1">
               <a:rPr lang="ko-KR" altLang="en-US" smtClean="0"/>
-              <a:t>2015-12-03</a:t>
+              <a:t>2015-12-07</a:t>
             </a:fld>
             <a:endParaRPr lang="ko-KR" altLang="en-US"/>
           </a:p>
@@ -3783,7 +3783,7 @@
           <a:p>
             <a:fld id="{EED2E17B-E3A7-4047-89B3-5D76A416D0D6}" type="datetime1">
               <a:rPr lang="ko-KR" altLang="en-US" smtClean="0"/>
-              <a:t>2015-12-03</a:t>
+              <a:t>2015-12-07</a:t>
             </a:fld>
             <a:endParaRPr lang="ko-KR" altLang="en-US"/>
           </a:p>
@@ -3988,7 +3988,7 @@
           <a:p>
             <a:fld id="{2A617340-EE45-47EE-8921-FCBD9C10866E}" type="datetime1">
               <a:rPr lang="ko-KR" altLang="en-US" smtClean="0"/>
-              <a:t>2015-12-03</a:t>
+              <a:t>2015-12-07</a:t>
             </a:fld>
             <a:endParaRPr lang="ko-KR" altLang="en-US"/>
           </a:p>
@@ -4268,7 +4268,7 @@
           <a:p>
             <a:fld id="{F0C2C66B-435F-4C1E-85AD-048FF8696704}" type="datetime1">
               <a:rPr lang="ko-KR" altLang="en-US" smtClean="0"/>
-              <a:t>2015-12-03</a:t>
+              <a:t>2015-12-07</a:t>
             </a:fld>
             <a:endParaRPr lang="ko-KR" altLang="en-US"/>
           </a:p>
@@ -4535,7 +4535,7 @@
           <a:p>
             <a:fld id="{1253C7FF-E6B6-4697-A3FD-BA5CDE1D145D}" type="datetime1">
               <a:rPr lang="ko-KR" altLang="en-US" smtClean="0"/>
-              <a:t>2015-12-03</a:t>
+              <a:t>2015-12-07</a:t>
             </a:fld>
             <a:endParaRPr lang="ko-KR" altLang="en-US"/>
           </a:p>
@@ -4950,7 +4950,7 @@
           <a:p>
             <a:fld id="{A4D5E4C7-A418-42B7-8E0B-ABC435436E07}" type="datetime1">
               <a:rPr lang="ko-KR" altLang="en-US" smtClean="0"/>
-              <a:t>2015-12-03</a:t>
+              <a:t>2015-12-07</a:t>
             </a:fld>
             <a:endParaRPr lang="ko-KR" altLang="en-US"/>
           </a:p>
@@ -5098,7 +5098,7 @@
           <a:p>
             <a:fld id="{965B6A42-23F8-4B62-A16F-2605B499F838}" type="datetime1">
               <a:rPr lang="ko-KR" altLang="en-US" smtClean="0"/>
-              <a:t>2015-12-03</a:t>
+              <a:t>2015-12-07</a:t>
             </a:fld>
             <a:endParaRPr lang="ko-KR" altLang="en-US"/>
           </a:p>
@@ -5223,7 +5223,7 @@
           <a:p>
             <a:fld id="{5933356C-7748-41E2-AE1B-8E0E3572E09E}" type="datetime1">
               <a:rPr lang="ko-KR" altLang="en-US" smtClean="0"/>
-              <a:t>2015-12-03</a:t>
+              <a:t>2015-12-07</a:t>
             </a:fld>
             <a:endParaRPr lang="ko-KR" altLang="en-US"/>
           </a:p>
@@ -5502,7 +5502,7 @@
           <a:p>
             <a:fld id="{2A3BD267-5599-4BF7-8691-B4047253E3C5}" type="datetime1">
               <a:rPr lang="ko-KR" altLang="en-US" smtClean="0"/>
-              <a:t>2015-12-03</a:t>
+              <a:t>2015-12-07</a:t>
             </a:fld>
             <a:endParaRPr lang="ko-KR" altLang="en-US"/>
           </a:p>
@@ -5817,7 +5817,7 @@
           <a:p>
             <a:fld id="{3B02C628-C349-446F-8214-9F68FC0430CD}" type="datetime1">
               <a:rPr lang="ko-KR" altLang="en-US" smtClean="0"/>
-              <a:t>2015-12-03</a:t>
+              <a:t>2015-12-07</a:t>
             </a:fld>
             <a:endParaRPr lang="ko-KR" altLang="en-US"/>
           </a:p>
@@ -6070,7 +6070,7 @@
           <a:p>
             <a:fld id="{43342D39-D51D-4EC4-9ED2-013411E339AF}" type="datetime1">
               <a:rPr lang="ko-KR" altLang="en-US" smtClean="0"/>
-              <a:t>2015-12-03</a:t>
+              <a:t>2015-12-07</a:t>
             </a:fld>
             <a:endParaRPr lang="ko-KR" altLang="en-US"/>
           </a:p>
